--- a/Presentación1.pptx
+++ b/Presentación1.pptx
@@ -145,6 +145,7 @@
 <p1510:revInfo xmlns:a="http://schemas.openxmlformats.org/drawingml/2006/main" xmlns:r="http://schemas.openxmlformats.org/officeDocument/2006/relationships" xmlns:p1510="http://schemas.microsoft.com/office/powerpoint/2015/10/main">
   <p1510:revLst>
     <p1510:client id="{A4DD50B9-C945-40CE-8325-5AEDFD3EEC15}" v="71" dt="2021-12-10T18:05:24.475"/>
+    <p1510:client id="{BF08A433-E664-40E9-84C5-E2912079CA96}" v="9" dt="2021-12-10T18:12:48.485"/>
     <p1510:client id="{ED8D49AB-00F5-0C4D-B220-5407AB279169}" v="134" dt="2021-12-10T14:40:04.321"/>
   </p1510:revLst>
 </p1510:revInfo>
@@ -3598,6 +3599,30 @@
             <ac:picMk id="5" creationId="{4436E380-D787-4DEB-BA97-8E9AC7545DFD}"/>
           </ac:picMkLst>
         </pc:picChg>
+      </pc:sldChg>
+    </pc:docChg>
+  </pc:docChgLst>
+  <pc:docChgLst>
+    <pc:chgData name="Yosel De la Torre Guillen" userId="153c8a3cd77748b9" providerId="Windows Live" clId="Web-{BF08A433-E664-40E9-84C5-E2912079CA96}"/>
+    <pc:docChg chg="modSld">
+      <pc:chgData name="Yosel De la Torre Guillen" userId="153c8a3cd77748b9" providerId="Windows Live" clId="Web-{BF08A433-E664-40E9-84C5-E2912079CA96}" dt="2021-12-10T18:12:48.485" v="8" actId="20577"/>
+      <pc:docMkLst>
+        <pc:docMk/>
+      </pc:docMkLst>
+      <pc:sldChg chg="modSp">
+        <pc:chgData name="Yosel De la Torre Guillen" userId="153c8a3cd77748b9" providerId="Windows Live" clId="Web-{BF08A433-E664-40E9-84C5-E2912079CA96}" dt="2021-12-10T18:12:48.485" v="8" actId="20577"/>
+        <pc:sldMkLst>
+          <pc:docMk/>
+          <pc:sldMk cId="3148688886" sldId="282"/>
+        </pc:sldMkLst>
+        <pc:spChg chg="mod">
+          <ac:chgData name="Yosel De la Torre Guillen" userId="153c8a3cd77748b9" providerId="Windows Live" clId="Web-{BF08A433-E664-40E9-84C5-E2912079CA96}" dt="2021-12-10T18:12:48.485" v="8" actId="20577"/>
+          <ac:spMkLst>
+            <pc:docMk/>
+            <pc:sldMk cId="3148688886" sldId="282"/>
+            <ac:spMk id="3" creationId="{BA01D2F2-EEB9-2F47-AB19-3DCFB9CB2561}"/>
+          </ac:spMkLst>
+        </pc:spChg>
       </pc:sldChg>
     </pc:docChg>
   </pc:docChgLst>
@@ -18399,10 +18424,30 @@
         </p:nvSpPr>
         <p:spPr/>
         <p:txBody>
-          <a:bodyPr/>
+          <a:bodyPr vert="horz" lIns="91440" tIns="45720" rIns="91440" bIns="45720" rtlCol="0" anchor="t">
+            <a:normAutofit/>
+          </a:bodyPr>
           <a:lstStyle/>
           <a:p>
-            <a:endParaRPr lang="es-PE"/>
+            <a:r>
+              <a:rPr lang="es-PE" dirty="0">
+                <a:cs typeface="Calibri"/>
+              </a:rPr>
+              <a:t>Material</a:t>
+            </a:r>
+          </a:p>
+          <a:p>
+            <a:pPr lvl="1"/>
+            <a:r>
+              <a:rPr lang="es-PE" dirty="0">
+                <a:ea typeface="+mn-lt"/>
+                <a:cs typeface="+mn-lt"/>
+              </a:rPr>
+              <a:t>https://github.com/Yosel/comaisci</a:t>
+            </a:r>
+            <a:endParaRPr lang="es-PE" dirty="0">
+              <a:cs typeface="Calibri"/>
+            </a:endParaRPr>
           </a:p>
         </p:txBody>
       </p:sp>
